--- a/writing-recursive-queries-postgresconfus19.pptx
+++ b/writing-recursive-queries-postgresconfus19.pptx
@@ -20732,18 +20732,6 @@
               <a:t>N is a function of the data and the recursive select’s where clause</a:t>
             </a:r>
           </a:p>
-          <a:p>
-            <a:r>
-              <a:rPr lang="en-US" dirty="0"/>
-              <a:t>Think of DB engine dynamically adding correct # of joins to FROM</a:t>
-            </a:r>
-          </a:p>
-          <a:p>
-            <a:pPr marL="0" indent="0">
-              <a:buNone/>
-            </a:pPr>
-            <a:endParaRPr lang="en-US" dirty="0"/>
-          </a:p>
         </p:txBody>
       </p:sp>
       <p:pic>
